--- a/Yelp.pptx
+++ b/Yelp.pptx
@@ -4545,7 +4545,7 @@
         <p:spPr>
           <a:xfrm>
             <a:off x="1349940" y="4369238"/>
-            <a:ext cx="10973869" cy="19861078"/>
+            <a:ext cx="10973869" cy="20433671"/>
           </a:xfrm>
           <a:prstGeom prst="rect">
             <a:avLst/>
@@ -4563,14 +4563,13 @@
           <a:p>
             <a:pPr lvl="0"/>
             <a:r>
-              <a:rPr lang="en-US" sz="6000" b="1" dirty="0">
+              <a:rPr lang="en-US" sz="6600" b="1" dirty="0">
                 <a:solidFill>
                   <a:srgbClr val="C00000"/>
                 </a:solidFill>
               </a:rPr>
               <a:t>Introduction</a:t>
             </a:r>
-            <a:endParaRPr lang="en-US" sz="5400" dirty="0"/>
           </a:p>
           <a:p>
             <a:r>
@@ -4584,14 +4583,18 @@
           <a:p>
             <a:pPr lvl="0"/>
             <a:r>
-              <a:rPr lang="en-US" sz="5400" b="1" dirty="0" smtClean="0">
+              <a:rPr lang="en-US" sz="6600" b="1" dirty="0">
                 <a:solidFill>
                   <a:srgbClr val="C00000"/>
                 </a:solidFill>
               </a:rPr>
               <a:t>Goals</a:t>
             </a:r>
-            <a:endParaRPr lang="en-US" sz="4800" dirty="0"/>
+            <a:endParaRPr lang="en-US" sz="6600" b="1" dirty="0">
+              <a:solidFill>
+                <a:srgbClr val="C00000"/>
+              </a:solidFill>
+            </a:endParaRPr>
           </a:p>
           <a:p>
             <a:pPr marL="571500" indent="-571500">
@@ -4620,8 +4623,13 @@
             </a:pPr>
             <a:r>
               <a:rPr lang="en-US" sz="4400" dirty="0" smtClean="0"/>
-              <a:t>Build a recommendation system to suggest businesses to a given user &amp; suggest users who can be potential friends.</a:t>
-            </a:r>
+              <a:t>Build a recommendation system to suggest businesses to a given user &amp; suggest users who can be potential </a:t>
+            </a:r>
+            <a:r>
+              <a:rPr lang="en-US" sz="4400" dirty="0" smtClean="0"/>
+              <a:t>friends</a:t>
+            </a:r>
+            <a:endParaRPr lang="en-US" sz="4400" dirty="0" smtClean="0"/>
           </a:p>
           <a:p>
             <a:pPr lvl="0"/>
@@ -4634,14 +4642,18 @@
           <a:p>
             <a:pPr lvl="0"/>
             <a:r>
-              <a:rPr lang="en-US" sz="5400" b="1" dirty="0" smtClean="0">
+              <a:rPr lang="en-US" sz="6600" b="1" dirty="0">
                 <a:solidFill>
                   <a:srgbClr val="C00000"/>
                 </a:solidFill>
               </a:rPr>
               <a:t>The dataset</a:t>
             </a:r>
-            <a:endParaRPr lang="en-US" sz="4800" dirty="0"/>
+            <a:endParaRPr lang="en-US" sz="6600" b="1" dirty="0">
+              <a:solidFill>
+                <a:srgbClr val="C00000"/>
+              </a:solidFill>
+            </a:endParaRPr>
           </a:p>
           <a:p>
             <a:r>
@@ -4731,7 +4743,7 @@
         <p:spPr>
           <a:xfrm>
             <a:off x="12801600" y="4343400"/>
-            <a:ext cx="11125200" cy="17610077"/>
+            <a:ext cx="11125200" cy="21808021"/>
           </a:xfrm>
           <a:prstGeom prst="rect">
             <a:avLst/>
@@ -4756,7 +4768,7 @@
               </a:rPr>
               <a:t>Techniques &amp; results</a:t>
             </a:r>
-            <a:endParaRPr lang="en-US" sz="6600" dirty="0">
+            <a:endParaRPr lang="en-US" sz="6600" dirty="0" smtClean="0">
               <a:solidFill>
                 <a:srgbClr val="C00000"/>
               </a:solidFill>
@@ -4764,13 +4776,95 @@
           </a:p>
           <a:p>
             <a:pPr lvl="0"/>
+            <a:r>
+              <a:rPr lang="en-US" sz="4800" b="1" dirty="0" smtClean="0">
+                <a:solidFill>
+                  <a:srgbClr val="C00000"/>
+                </a:solidFill>
+              </a:rPr>
+              <a:t>I – Clustering businesses based on Check-in times:</a:t>
+            </a:r>
+          </a:p>
+          <a:p>
+            <a:endParaRPr lang="en-US" sz="6600" dirty="0" smtClean="0"/>
+          </a:p>
+          <a:p>
+            <a:endParaRPr lang="en-US" sz="6600" dirty="0" smtClean="0"/>
+          </a:p>
+          <a:p>
+            <a:endParaRPr lang="en-US" sz="6600" dirty="0" smtClean="0"/>
+          </a:p>
+          <a:p>
+            <a:endParaRPr lang="en-US" b="1" dirty="0" smtClean="0">
+              <a:solidFill>
+                <a:srgbClr val="C00000"/>
+              </a:solidFill>
+            </a:endParaRPr>
+          </a:p>
+          <a:p>
+            <a:r>
+              <a:rPr lang="en-US" sz="4800" b="1" dirty="0" smtClean="0">
+                <a:solidFill>
+                  <a:srgbClr val="C00000"/>
+                </a:solidFill>
+              </a:rPr>
+              <a:t>II </a:t>
+            </a:r>
+            <a:r>
+              <a:rPr lang="en-US" sz="4800" b="1" dirty="0" smtClean="0">
+                <a:solidFill>
+                  <a:srgbClr val="C00000"/>
+                </a:solidFill>
+              </a:rPr>
+              <a:t>– Creating a network of users:</a:t>
+            </a:r>
+          </a:p>
+          <a:p>
+            <a:endParaRPr lang="en-US" sz="6600" dirty="0" smtClean="0"/>
+          </a:p>
+          <a:p>
+            <a:endParaRPr lang="en-US" sz="6600" dirty="0"/>
+          </a:p>
+          <a:p>
+            <a:endParaRPr lang="en-US" sz="6600" dirty="0" smtClean="0"/>
+          </a:p>
+          <a:p>
+            <a:endParaRPr lang="en-US" sz="6600" dirty="0"/>
+          </a:p>
+          <a:p>
+            <a:endParaRPr lang="en-US" sz="6600" dirty="0" smtClean="0"/>
+          </a:p>
+          <a:p>
+            <a:endParaRPr lang="en-US" sz="2000" b="1" dirty="0" smtClean="0">
+              <a:solidFill>
+                <a:srgbClr val="C00000"/>
+              </a:solidFill>
+            </a:endParaRPr>
+          </a:p>
+          <a:p>
+            <a:r>
+              <a:rPr lang="en-US" sz="4800" b="1" dirty="0" smtClean="0">
+                <a:solidFill>
+                  <a:srgbClr val="C00000"/>
+                </a:solidFill>
+              </a:rPr>
+              <a:t>III </a:t>
+            </a:r>
             <a:r>
               <a:rPr lang="en-US" sz="4800" b="1" dirty="0">
                 <a:solidFill>
                   <a:srgbClr val="C00000"/>
                 </a:solidFill>
               </a:rPr>
-              <a:t>I – Clustering businesses based on Check-in times</a:t>
+              <a:t>– </a:t>
+            </a:r>
+            <a:r>
+              <a:rPr lang="en-US" sz="4800" b="1" dirty="0" smtClean="0">
+                <a:solidFill>
+                  <a:srgbClr val="C00000"/>
+                </a:solidFill>
+              </a:rPr>
+              <a:t>Recommending businesses</a:t>
             </a:r>
             <a:r>
               <a:rPr lang="en-US" sz="4800" b="1" dirty="0" smtClean="0">
@@ -4782,71 +4876,38 @@
             </a:r>
           </a:p>
           <a:p>
-            <a:endParaRPr lang="en-US" sz="6600" dirty="0"/>
-          </a:p>
-          <a:p>
-            <a:endParaRPr lang="en-US" sz="6600" dirty="0"/>
-          </a:p>
-          <a:p>
-            <a:endParaRPr lang="en-US" sz="6600" dirty="0"/>
-          </a:p>
-          <a:p>
-            <a:r>
-              <a:rPr lang="en-US" sz="4800" b="1" dirty="0" smtClean="0">
-                <a:solidFill>
-                  <a:srgbClr val="C00000"/>
-                </a:solidFill>
-              </a:rPr>
-              <a:t>II – Creating a network of users:</a:t>
-            </a:r>
-          </a:p>
-          <a:p>
-            <a:endParaRPr lang="en-US" sz="6600" dirty="0" smtClean="0"/>
-          </a:p>
-          <a:p>
-            <a:endParaRPr lang="en-US" sz="6600" dirty="0"/>
-          </a:p>
-          <a:p>
-            <a:endParaRPr lang="en-US" sz="6600" dirty="0" smtClean="0"/>
-          </a:p>
-          <a:p>
-            <a:endParaRPr lang="en-US" sz="6600" dirty="0"/>
-          </a:p>
-          <a:p>
-            <a:endParaRPr lang="en-US" sz="6600" dirty="0" smtClean="0"/>
-          </a:p>
-          <a:p>
-            <a:r>
-              <a:rPr lang="en-US" sz="4800" b="1" dirty="0" smtClean="0">
-                <a:solidFill>
-                  <a:srgbClr val="C00000"/>
-                </a:solidFill>
-              </a:rPr>
-              <a:t>III </a:t>
-            </a:r>
-            <a:r>
-              <a:rPr lang="en-US" sz="4800" b="1" dirty="0">
-                <a:solidFill>
-                  <a:srgbClr val="C00000"/>
-                </a:solidFill>
-              </a:rPr>
-              <a:t>– </a:t>
-            </a:r>
-            <a:r>
-              <a:rPr lang="en-US" sz="4800" b="1" dirty="0" smtClean="0">
-                <a:solidFill>
-                  <a:srgbClr val="C00000"/>
-                </a:solidFill>
-              </a:rPr>
-              <a:t>Recommending businesses:</a:t>
-            </a:r>
-            <a:endParaRPr lang="en-US" sz="4800" b="1" dirty="0">
-              <a:solidFill>
-                <a:srgbClr val="C00000"/>
-              </a:solidFill>
-            </a:endParaRPr>
-          </a:p>
-          <a:p>
+            <a:r>
+              <a:rPr lang="en-US" sz="4400" dirty="0"/>
+              <a:t>We got user-based </a:t>
+            </a:r>
+          </a:p>
+          <a:p>
+            <a:r>
+              <a:rPr lang="en-US" sz="4400" dirty="0"/>
+              <a:t>r</a:t>
+            </a:r>
+            <a:r>
+              <a:rPr lang="en-US" sz="4400" dirty="0" smtClean="0"/>
+              <a:t>ecommendation</a:t>
+            </a:r>
+          </a:p>
+          <a:p>
+            <a:r>
+              <a:rPr lang="en-US" sz="4400" dirty="0" smtClean="0"/>
+              <a:t>according to review </a:t>
+            </a:r>
+          </a:p>
+          <a:p>
+            <a:r>
+              <a:rPr lang="en-US" sz="4400" dirty="0" smtClean="0"/>
+              <a:t>history (in any given </a:t>
+            </a:r>
+          </a:p>
+          <a:p>
+            <a:r>
+              <a:rPr lang="en-US" sz="4400" smtClean="0"/>
+              <a:t>city).</a:t>
+            </a:r>
             <a:endParaRPr lang="en-US" sz="6600" dirty="0"/>
           </a:p>
           <a:p>
@@ -4886,13 +4947,7 @@
               <a:rPr lang="en-US" sz="6000" dirty="0" smtClean="0">
                 <a:latin typeface="Franklin Gothic Medium Cond" panose="020B0606030402020204" pitchFamily="34" charset="0"/>
               </a:rPr>
-              <a:t> Gao, Amal </a:t>
-            </a:r>
-            <a:r>
-              <a:rPr lang="en-US" sz="6000" dirty="0" smtClean="0">
-                <a:latin typeface="Franklin Gothic Medium Cond" panose="020B0606030402020204" pitchFamily="34" charset="0"/>
-              </a:rPr>
-              <a:t>Kadi</a:t>
+              <a:t> Gao, Amal Kadi</a:t>
             </a:r>
             <a:endParaRPr lang="en-US" sz="6000" dirty="0">
               <a:latin typeface="Franklin Gothic Medium Cond" panose="020B0606030402020204" pitchFamily="34" charset="0"/>
@@ -5062,7 +5117,7 @@
         </p:blipFill>
         <p:spPr>
           <a:xfrm>
-            <a:off x="14249400" y="12115800"/>
+            <a:off x="14306865" y="12573000"/>
             <a:ext cx="7791135" cy="4904874"/>
           </a:xfrm>
           <a:prstGeom prst="rect">
@@ -5078,7 +5133,7 @@
         </p:nvSpPr>
         <p:spPr>
           <a:xfrm>
-            <a:off x="12795602" y="17075466"/>
+            <a:off x="12829997" y="17590208"/>
             <a:ext cx="10756197" cy="1254382"/>
           </a:xfrm>
           <a:prstGeom prst="rect">
@@ -5108,8 +5163,8 @@
         </p:nvSpPr>
         <p:spPr>
           <a:xfrm>
-            <a:off x="24356047" y="4393301"/>
-            <a:ext cx="11125200" cy="9747925"/>
+            <a:off x="24356047" y="4267200"/>
+            <a:ext cx="11125200" cy="20662580"/>
           </a:xfrm>
           <a:prstGeom prst="rect">
             <a:avLst/>
@@ -5132,23 +5187,23 @@
                   <a:srgbClr val="C00000"/>
                 </a:solidFill>
               </a:rPr>
-              <a:t>Conclusion</a:t>
+              <a:t>Evaluation</a:t>
             </a:r>
           </a:p>
           <a:p>
             <a:r>
               <a:rPr lang="en-US" sz="4400" dirty="0" smtClean="0"/>
-              <a:t>The conclusion</a:t>
+              <a:t>To evaluate the recommendations we gave, we evaluated our rating prediction algorithm against the existing rating in our dataset. We used </a:t>
+            </a:r>
+            <a:r>
+              <a:rPr lang="en-US" sz="4400" dirty="0"/>
+              <a:t>root-mean-square error </a:t>
+            </a:r>
+            <a:r>
+              <a:rPr lang="en-US" sz="4400" dirty="0" smtClean="0"/>
+              <a:t>(RMSE) to compute the error and it was 1.2 which is pretty good.</a:t>
             </a:r>
             <a:endParaRPr lang="en-US" sz="4400" dirty="0"/>
-          </a:p>
-          <a:p>
-            <a:pPr lvl="0"/>
-            <a:endParaRPr lang="en-US" sz="6600" b="1" dirty="0" smtClean="0">
-              <a:solidFill>
-                <a:srgbClr val="C00000"/>
-              </a:solidFill>
-            </a:endParaRPr>
           </a:p>
           <a:p>
             <a:pPr lvl="0"/>
@@ -5160,6 +5215,40 @@
           </a:p>
           <a:p>
             <a:pPr lvl="0"/>
+            <a:r>
+              <a:rPr lang="en-US" sz="6600" b="1" dirty="0" smtClean="0">
+                <a:solidFill>
+                  <a:srgbClr val="C00000"/>
+                </a:solidFill>
+              </a:rPr>
+              <a:t>Conclusion</a:t>
+            </a:r>
+            <a:endParaRPr lang="en-US" sz="6600" b="1" dirty="0" smtClean="0">
+              <a:solidFill>
+                <a:srgbClr val="C00000"/>
+              </a:solidFill>
+            </a:endParaRPr>
+          </a:p>
+          <a:p>
+            <a:r>
+              <a:rPr lang="en-US" sz="4400" dirty="0" smtClean="0"/>
+              <a:t>We implemented the recommending system according to the user’s review and their connection to other users. We also evaluated our recommending according to existed data using </a:t>
+            </a:r>
+            <a:r>
+              <a:rPr lang="en-US" sz="4400" dirty="0"/>
+              <a:t>root-mean-square </a:t>
+            </a:r>
+            <a:r>
+              <a:rPr lang="en-US" sz="4400" dirty="0" smtClean="0"/>
+              <a:t>error.  Our system could be used to recommend restaurants in different city and it could be used in travel website like TripAdvisor.</a:t>
+            </a:r>
+            <a:endParaRPr lang="en-US" sz="6600" b="1" dirty="0">
+              <a:solidFill>
+                <a:srgbClr val="C00000"/>
+              </a:solidFill>
+            </a:endParaRPr>
+          </a:p>
+          <a:p>
             <a:endParaRPr lang="en-US" sz="6600" b="1" dirty="0" smtClean="0">
               <a:solidFill>
                 <a:srgbClr val="C00000"/>
@@ -5195,9 +5284,163 @@
             </a:pPr>
             <a:r>
               <a:rPr lang="en-US" sz="4400" dirty="0" smtClean="0"/>
-              <a:t>Optimize the recommending model</a:t>
+              <a:t>Optimize the recommending </a:t>
+            </a:r>
+            <a:r>
+              <a:rPr lang="en-US" sz="4400" dirty="0" smtClean="0"/>
+              <a:t>model</a:t>
             </a:r>
             <a:endParaRPr lang="en-US" sz="6600" dirty="0"/>
+          </a:p>
+        </p:txBody>
+      </p:sp>
+      <p:pic>
+        <p:nvPicPr>
+          <p:cNvPr id="4" name="Picture 3"/>
+          <p:cNvPicPr>
+            <a:picLocks noChangeAspect="1"/>
+          </p:cNvPicPr>
+          <p:nvPr/>
+        </p:nvPicPr>
+        <p:blipFill>
+          <a:blip r:embed="rId8" cstate="print">
+            <a:extLst>
+              <a:ext uri="{28A0092B-C50C-407E-A947-70E740481C1C}">
+                <a14:useLocalDpi xmlns:a14="http://schemas.microsoft.com/office/drawing/2010/main" val="0"/>
+              </a:ext>
+            </a:extLst>
+          </a:blip>
+          <a:stretch>
+            <a:fillRect/>
+          </a:stretch>
+        </p:blipFill>
+        <p:spPr>
+          <a:xfrm>
+            <a:off x="21215091" y="22250400"/>
+            <a:ext cx="2233918" cy="1491605"/>
+          </a:xfrm>
+          <a:prstGeom prst="rect">
+            <a:avLst/>
+          </a:prstGeom>
+        </p:spPr>
+      </p:pic>
+      <p:pic>
+        <p:nvPicPr>
+          <p:cNvPr id="5" name="Picture 4"/>
+          <p:cNvPicPr>
+            <a:picLocks noChangeAspect="1"/>
+          </p:cNvPicPr>
+          <p:nvPr/>
+        </p:nvPicPr>
+        <p:blipFill>
+          <a:blip r:embed="rId9" cstate="print">
+            <a:extLst>
+              <a:ext uri="{28A0092B-C50C-407E-A947-70E740481C1C}">
+                <a14:useLocalDpi xmlns:a14="http://schemas.microsoft.com/office/drawing/2010/main" val="0"/>
+              </a:ext>
+            </a:extLst>
+          </a:blip>
+          <a:stretch>
+            <a:fillRect/>
+          </a:stretch>
+        </p:blipFill>
+        <p:spPr>
+          <a:xfrm>
+            <a:off x="18625072" y="20180589"/>
+            <a:ext cx="2009558" cy="2679411"/>
+          </a:xfrm>
+          <a:prstGeom prst="rect">
+            <a:avLst/>
+          </a:prstGeom>
+        </p:spPr>
+      </p:pic>
+      <p:pic>
+        <p:nvPicPr>
+          <p:cNvPr id="9" name="Picture 8"/>
+          <p:cNvPicPr>
+            <a:picLocks noChangeAspect="1"/>
+          </p:cNvPicPr>
+          <p:nvPr/>
+        </p:nvPicPr>
+        <p:blipFill>
+          <a:blip r:embed="rId10" cstate="print">
+            <a:extLst>
+              <a:ext uri="{28A0092B-C50C-407E-A947-70E740481C1C}">
+                <a14:useLocalDpi xmlns:a14="http://schemas.microsoft.com/office/drawing/2010/main" val="0"/>
+              </a:ext>
+            </a:extLst>
+          </a:blip>
+          <a:stretch>
+            <a:fillRect/>
+          </a:stretch>
+        </p:blipFill>
+        <p:spPr>
+          <a:xfrm>
+            <a:off x="18416796" y="23040128"/>
+            <a:ext cx="2607796" cy="1465582"/>
+          </a:xfrm>
+          <a:prstGeom prst="rect">
+            <a:avLst/>
+          </a:prstGeom>
+        </p:spPr>
+      </p:pic>
+      <p:pic>
+        <p:nvPicPr>
+          <p:cNvPr id="10" name="Picture 9"/>
+          <p:cNvPicPr>
+            <a:picLocks noChangeAspect="1"/>
+          </p:cNvPicPr>
+          <p:nvPr/>
+        </p:nvPicPr>
+        <p:blipFill>
+          <a:blip r:embed="rId11" cstate="print">
+            <a:extLst>
+              <a:ext uri="{28A0092B-C50C-407E-A947-70E740481C1C}">
+                <a14:useLocalDpi xmlns:a14="http://schemas.microsoft.com/office/drawing/2010/main" val="0"/>
+              </a:ext>
+            </a:extLst>
+          </a:blip>
+          <a:stretch>
+            <a:fillRect/>
+          </a:stretch>
+        </p:blipFill>
+        <p:spPr>
+          <a:xfrm>
+            <a:off x="21207354" y="20096516"/>
+            <a:ext cx="2262246" cy="1696684"/>
+          </a:xfrm>
+          <a:prstGeom prst="rect">
+            <a:avLst/>
+          </a:prstGeom>
+        </p:spPr>
+      </p:pic>
+      <p:sp>
+        <p:nvSpPr>
+          <p:cNvPr id="19" name="TextBox 18"/>
+          <p:cNvSpPr txBox="1"/>
+          <p:nvPr/>
+        </p:nvSpPr>
+        <p:spPr>
+          <a:xfrm>
+            <a:off x="12829997" y="10792593"/>
+            <a:ext cx="10756197" cy="643766"/>
+          </a:xfrm>
+          <a:prstGeom prst="rect">
+            <a:avLst/>
+          </a:prstGeom>
+          <a:noFill/>
+        </p:spPr>
+        <p:txBody>
+          <a:bodyPr wrap="square" rtlCol="0">
+            <a:spAutoFit/>
+          </a:bodyPr>
+          <a:lstStyle/>
+          <a:p>
+            <a:r>
+              <a:rPr lang="en-US" sz="3200" dirty="0" smtClean="0"/>
+              <a:t>2 different clusters of average check-in time series</a:t>
+            </a:r>
+            <a:endParaRPr lang="en-US" sz="3200" dirty="0"/>
           </a:p>
         </p:txBody>
       </p:sp>
